--- a/PresentationMaterials/GettingStartedAPIs.pptx
+++ b/PresentationMaterials/GettingStartedAPIs.pptx
@@ -3529,9 +3529,12 @@
               <a:rPr lang="en-US" sz="1900" dirty="0">
                 <a:hlinkClick r:id="rId2"/>
               </a:rPr>
-              <a:t>https://bit.ly/3MBht0O</a:t>
-            </a:r>
-            <a:endParaRPr lang="en-US" sz="1900" dirty="0"/>
+              <a:t>http://bit.ly/3nTwFvJ</a:t>
+            </a:r>
+            <a:r>
+              <a:rPr lang="en-US" sz="1900" dirty="0"/>
+              <a:t> </a:t>
+            </a:r>
           </a:p>
         </p:txBody>
       </p:sp>
